--- a/makeStudentList/ppt_master/master_30.pptx
+++ b/makeStudentList/ppt_master/master_30.pptx
@@ -104,603 +104,16 @@
       </a:defRPr>
     </a:lvl9pPr>
   </p:defaultTextStyle>
+  <p:extLst>
+    <p:ext uri="{EFAFB233-063F-42B5-8137-9DF3F51BA10A}">
+      <p15:sldGuideLst xmlns:p15="http://schemas.microsoft.com/office/powerpoint/2012/main"/>
+    </p:ext>
+  </p:extLst>
 </p:presentation>
 </file>
 
 <file path=ppt/slideLayouts/slideLayout1.xml><?xml version="1.0" encoding="utf-8"?>
-<p:sldLayout xmlns:a="http://schemas.openxmlformats.org/drawingml/2006/main" xmlns:r="http://schemas.openxmlformats.org/officeDocument/2006/relationships" xmlns:p="http://schemas.openxmlformats.org/presentationml/2006/main" type="title" preserve="1">
-  <p:cSld name="제목 슬라이드">
-    <p:spTree>
-      <p:nvGrpSpPr>
-        <p:cNvPr id="1" name=""/>
-        <p:cNvGrpSpPr/>
-        <p:nvPr/>
-      </p:nvGrpSpPr>
-      <p:grpSpPr>
-        <a:xfrm>
-          <a:off x="0" y="0"/>
-          <a:ext cx="0" cy="0"/>
-          <a:chOff x="0" y="0"/>
-          <a:chExt cx="0" cy="0"/>
-        </a:xfrm>
-      </p:grpSpPr>
-      <p:sp>
-        <p:nvSpPr>
-          <p:cNvPr id="2" name="제목 1"/>
-          <p:cNvSpPr>
-            <a:spLocks noGrp="1"/>
-          </p:cNvSpPr>
-          <p:nvPr>
-            <p:ph type="ctrTitle"/>
-          </p:nvPr>
-        </p:nvSpPr>
-        <p:spPr>
-          <a:xfrm>
-            <a:off x="742950" y="2130428"/>
-            <a:ext cx="8420100" cy="1470025"/>
-          </a:xfrm>
-        </p:spPr>
-        <p:txBody>
-          <a:bodyPr/>
-          <a:lstStyle/>
-          <a:p>
-            <a:r>
-              <a:rPr lang="ko-KR" altLang="en-US" smtClean="0"/>
-              <a:t>마스터 제목 스타일 편집</a:t>
-            </a:r>
-            <a:endParaRPr lang="ko-KR" altLang="en-US"/>
-          </a:p>
-        </p:txBody>
-      </p:sp>
-      <p:sp>
-        <p:nvSpPr>
-          <p:cNvPr id="3" name="부제목 2"/>
-          <p:cNvSpPr>
-            <a:spLocks noGrp="1"/>
-          </p:cNvSpPr>
-          <p:nvPr>
-            <p:ph type="subTitle" idx="1"/>
-          </p:nvPr>
-        </p:nvSpPr>
-        <p:spPr>
-          <a:xfrm>
-            <a:off x="1485900" y="3886200"/>
-            <a:ext cx="6934200" cy="1752600"/>
-          </a:xfrm>
-        </p:spPr>
-        <p:txBody>
-          <a:bodyPr/>
-          <a:lstStyle>
-            <a:lvl1pPr marL="0" indent="0" algn="ctr">
-              <a:buNone/>
-              <a:defRPr>
-                <a:solidFill>
-                  <a:schemeClr val="tx1">
-                    <a:tint val="75000"/>
-                  </a:schemeClr>
-                </a:solidFill>
-              </a:defRPr>
-            </a:lvl1pPr>
-            <a:lvl2pPr marL="495264" indent="0" algn="ctr">
-              <a:buNone/>
-              <a:defRPr>
-                <a:solidFill>
-                  <a:schemeClr val="tx1">
-                    <a:tint val="75000"/>
-                  </a:schemeClr>
-                </a:solidFill>
-              </a:defRPr>
-            </a:lvl2pPr>
-            <a:lvl3pPr marL="990528" indent="0" algn="ctr">
-              <a:buNone/>
-              <a:defRPr>
-                <a:solidFill>
-                  <a:schemeClr val="tx1">
-                    <a:tint val="75000"/>
-                  </a:schemeClr>
-                </a:solidFill>
-              </a:defRPr>
-            </a:lvl3pPr>
-            <a:lvl4pPr marL="1485792" indent="0" algn="ctr">
-              <a:buNone/>
-              <a:defRPr>
-                <a:solidFill>
-                  <a:schemeClr val="tx1">
-                    <a:tint val="75000"/>
-                  </a:schemeClr>
-                </a:solidFill>
-              </a:defRPr>
-            </a:lvl4pPr>
-            <a:lvl5pPr marL="1981056" indent="0" algn="ctr">
-              <a:buNone/>
-              <a:defRPr>
-                <a:solidFill>
-                  <a:schemeClr val="tx1">
-                    <a:tint val="75000"/>
-                  </a:schemeClr>
-                </a:solidFill>
-              </a:defRPr>
-            </a:lvl5pPr>
-            <a:lvl6pPr marL="2476320" indent="0" algn="ctr">
-              <a:buNone/>
-              <a:defRPr>
-                <a:solidFill>
-                  <a:schemeClr val="tx1">
-                    <a:tint val="75000"/>
-                  </a:schemeClr>
-                </a:solidFill>
-              </a:defRPr>
-            </a:lvl6pPr>
-            <a:lvl7pPr marL="2971584" indent="0" algn="ctr">
-              <a:buNone/>
-              <a:defRPr>
-                <a:solidFill>
-                  <a:schemeClr val="tx1">
-                    <a:tint val="75000"/>
-                  </a:schemeClr>
-                </a:solidFill>
-              </a:defRPr>
-            </a:lvl7pPr>
-            <a:lvl8pPr marL="3466848" indent="0" algn="ctr">
-              <a:buNone/>
-              <a:defRPr>
-                <a:solidFill>
-                  <a:schemeClr val="tx1">
-                    <a:tint val="75000"/>
-                  </a:schemeClr>
-                </a:solidFill>
-              </a:defRPr>
-            </a:lvl8pPr>
-            <a:lvl9pPr marL="3962112" indent="0" algn="ctr">
-              <a:buNone/>
-              <a:defRPr>
-                <a:solidFill>
-                  <a:schemeClr val="tx1">
-                    <a:tint val="75000"/>
-                  </a:schemeClr>
-                </a:solidFill>
-              </a:defRPr>
-            </a:lvl9pPr>
-          </a:lstStyle>
-          <a:p>
-            <a:r>
-              <a:rPr lang="ko-KR" altLang="en-US" smtClean="0"/>
-              <a:t>마스터 부제목 스타일 편집</a:t>
-            </a:r>
-            <a:endParaRPr lang="ko-KR" altLang="en-US"/>
-          </a:p>
-        </p:txBody>
-      </p:sp>
-      <p:sp>
-        <p:nvSpPr>
-          <p:cNvPr id="4" name="날짜 개체 틀 3"/>
-          <p:cNvSpPr>
-            <a:spLocks noGrp="1"/>
-          </p:cNvSpPr>
-          <p:nvPr>
-            <p:ph type="dt" sz="half" idx="10"/>
-          </p:nvPr>
-        </p:nvSpPr>
-        <p:spPr/>
-        <p:txBody>
-          <a:bodyPr/>
-          <a:lstStyle/>
-          <a:p>
-            <a:fld id="{41853962-48E5-4A7D-AB7A-0BFF2BE79943}" type="datetimeFigureOut">
-              <a:rPr lang="ko-KR" altLang="en-US" smtClean="0"/>
-              <a:t>2020-10-30</a:t>
-            </a:fld>
-            <a:endParaRPr lang="ko-KR" altLang="en-US"/>
-          </a:p>
-        </p:txBody>
-      </p:sp>
-      <p:sp>
-        <p:nvSpPr>
-          <p:cNvPr id="5" name="바닥글 개체 틀 4"/>
-          <p:cNvSpPr>
-            <a:spLocks noGrp="1"/>
-          </p:cNvSpPr>
-          <p:nvPr>
-            <p:ph type="ftr" sz="quarter" idx="11"/>
-          </p:nvPr>
-        </p:nvSpPr>
-        <p:spPr/>
-        <p:txBody>
-          <a:bodyPr/>
-          <a:lstStyle/>
-          <a:p>
-            <a:endParaRPr lang="ko-KR" altLang="en-US"/>
-          </a:p>
-        </p:txBody>
-      </p:sp>
-      <p:sp>
-        <p:nvSpPr>
-          <p:cNvPr id="6" name="슬라이드 번호 개체 틀 5"/>
-          <p:cNvSpPr>
-            <a:spLocks noGrp="1"/>
-          </p:cNvSpPr>
-          <p:nvPr>
-            <p:ph type="sldNum" sz="quarter" idx="12"/>
-          </p:nvPr>
-        </p:nvSpPr>
-        <p:spPr/>
-        <p:txBody>
-          <a:bodyPr/>
-          <a:lstStyle/>
-          <a:p>
-            <a:fld id="{C10C7D1B-6E15-4334-B7FB-F65A2E226732}" type="slidenum">
-              <a:rPr lang="ko-KR" altLang="en-US" smtClean="0"/>
-              <a:t>‹#›</a:t>
-            </a:fld>
-            <a:endParaRPr lang="ko-KR" altLang="en-US"/>
-          </a:p>
-        </p:txBody>
-      </p:sp>
-    </p:spTree>
-    <p:extLst>
-      <p:ext uri="{BB962C8B-B14F-4D97-AF65-F5344CB8AC3E}">
-        <p14:creationId xmlns:p14="http://schemas.microsoft.com/office/powerpoint/2010/main" val="2485382051"/>
-      </p:ext>
-    </p:extLst>
-  </p:cSld>
-  <p:clrMapOvr>
-    <a:masterClrMapping/>
-  </p:clrMapOvr>
-</p:sldLayout>
-</file>
-
-<file path=ppt/slideLayouts/slideLayout10.xml><?xml version="1.0" encoding="utf-8"?>
-<p:sldLayout xmlns:a="http://schemas.openxmlformats.org/drawingml/2006/main" xmlns:r="http://schemas.openxmlformats.org/officeDocument/2006/relationships" xmlns:p="http://schemas.openxmlformats.org/presentationml/2006/main" type="vertTx" preserve="1">
-  <p:cSld name="제목 및 세로 텍스트">
-    <p:spTree>
-      <p:nvGrpSpPr>
-        <p:cNvPr id="1" name=""/>
-        <p:cNvGrpSpPr/>
-        <p:nvPr/>
-      </p:nvGrpSpPr>
-      <p:grpSpPr>
-        <a:xfrm>
-          <a:off x="0" y="0"/>
-          <a:ext cx="0" cy="0"/>
-          <a:chOff x="0" y="0"/>
-          <a:chExt cx="0" cy="0"/>
-        </a:xfrm>
-      </p:grpSpPr>
-      <p:sp>
-        <p:nvSpPr>
-          <p:cNvPr id="2" name="제목 1"/>
-          <p:cNvSpPr>
-            <a:spLocks noGrp="1"/>
-          </p:cNvSpPr>
-          <p:nvPr>
-            <p:ph type="title"/>
-          </p:nvPr>
-        </p:nvSpPr>
-        <p:spPr/>
-        <p:txBody>
-          <a:bodyPr/>
-          <a:lstStyle/>
-          <a:p>
-            <a:r>
-              <a:rPr lang="ko-KR" altLang="en-US" smtClean="0"/>
-              <a:t>마스터 제목 스타일 편집</a:t>
-            </a:r>
-            <a:endParaRPr lang="ko-KR" altLang="en-US"/>
-          </a:p>
-        </p:txBody>
-      </p:sp>
-      <p:sp>
-        <p:nvSpPr>
-          <p:cNvPr id="3" name="세로 텍스트 개체 틀 2"/>
-          <p:cNvSpPr>
-            <a:spLocks noGrp="1"/>
-          </p:cNvSpPr>
-          <p:nvPr>
-            <p:ph type="body" orient="vert" idx="1"/>
-          </p:nvPr>
-        </p:nvSpPr>
-        <p:spPr/>
-        <p:txBody>
-          <a:bodyPr vert="eaVert"/>
-          <a:lstStyle/>
-          <a:p>
-            <a:pPr lvl="0"/>
-            <a:r>
-              <a:rPr lang="ko-KR" altLang="en-US" smtClean="0"/>
-              <a:t>마스터 텍스트 스타일을 편집합니다</a:t>
-            </a:r>
-          </a:p>
-          <a:p>
-            <a:pPr lvl="1"/>
-            <a:r>
-              <a:rPr lang="ko-KR" altLang="en-US" smtClean="0"/>
-              <a:t>둘째 수준</a:t>
-            </a:r>
-          </a:p>
-          <a:p>
-            <a:pPr lvl="2"/>
-            <a:r>
-              <a:rPr lang="ko-KR" altLang="en-US" smtClean="0"/>
-              <a:t>셋째 수준</a:t>
-            </a:r>
-          </a:p>
-          <a:p>
-            <a:pPr lvl="3"/>
-            <a:r>
-              <a:rPr lang="ko-KR" altLang="en-US" smtClean="0"/>
-              <a:t>넷째 수준</a:t>
-            </a:r>
-          </a:p>
-          <a:p>
-            <a:pPr lvl="4"/>
-            <a:r>
-              <a:rPr lang="ko-KR" altLang="en-US" smtClean="0"/>
-              <a:t>다섯째 수준</a:t>
-            </a:r>
-            <a:endParaRPr lang="ko-KR" altLang="en-US"/>
-          </a:p>
-        </p:txBody>
-      </p:sp>
-      <p:sp>
-        <p:nvSpPr>
-          <p:cNvPr id="4" name="날짜 개체 틀 3"/>
-          <p:cNvSpPr>
-            <a:spLocks noGrp="1"/>
-          </p:cNvSpPr>
-          <p:nvPr>
-            <p:ph type="dt" sz="half" idx="10"/>
-          </p:nvPr>
-        </p:nvSpPr>
-        <p:spPr/>
-        <p:txBody>
-          <a:bodyPr/>
-          <a:lstStyle/>
-          <a:p>
-            <a:fld id="{41853962-48E5-4A7D-AB7A-0BFF2BE79943}" type="datetimeFigureOut">
-              <a:rPr lang="ko-KR" altLang="en-US" smtClean="0"/>
-              <a:t>2020-10-30</a:t>
-            </a:fld>
-            <a:endParaRPr lang="ko-KR" altLang="en-US"/>
-          </a:p>
-        </p:txBody>
-      </p:sp>
-      <p:sp>
-        <p:nvSpPr>
-          <p:cNvPr id="5" name="바닥글 개체 틀 4"/>
-          <p:cNvSpPr>
-            <a:spLocks noGrp="1"/>
-          </p:cNvSpPr>
-          <p:nvPr>
-            <p:ph type="ftr" sz="quarter" idx="11"/>
-          </p:nvPr>
-        </p:nvSpPr>
-        <p:spPr/>
-        <p:txBody>
-          <a:bodyPr/>
-          <a:lstStyle/>
-          <a:p>
-            <a:endParaRPr lang="ko-KR" altLang="en-US"/>
-          </a:p>
-        </p:txBody>
-      </p:sp>
-      <p:sp>
-        <p:nvSpPr>
-          <p:cNvPr id="6" name="슬라이드 번호 개체 틀 5"/>
-          <p:cNvSpPr>
-            <a:spLocks noGrp="1"/>
-          </p:cNvSpPr>
-          <p:nvPr>
-            <p:ph type="sldNum" sz="quarter" idx="12"/>
-          </p:nvPr>
-        </p:nvSpPr>
-        <p:spPr/>
-        <p:txBody>
-          <a:bodyPr/>
-          <a:lstStyle/>
-          <a:p>
-            <a:fld id="{C10C7D1B-6E15-4334-B7FB-F65A2E226732}" type="slidenum">
-              <a:rPr lang="ko-KR" altLang="en-US" smtClean="0"/>
-              <a:t>‹#›</a:t>
-            </a:fld>
-            <a:endParaRPr lang="ko-KR" altLang="en-US"/>
-          </a:p>
-        </p:txBody>
-      </p:sp>
-    </p:spTree>
-    <p:extLst>
-      <p:ext uri="{BB962C8B-B14F-4D97-AF65-F5344CB8AC3E}">
-        <p14:creationId xmlns:p14="http://schemas.microsoft.com/office/powerpoint/2010/main" val="2038468897"/>
-      </p:ext>
-    </p:extLst>
-  </p:cSld>
-  <p:clrMapOvr>
-    <a:masterClrMapping/>
-  </p:clrMapOvr>
-</p:sldLayout>
-</file>
-
-<file path=ppt/slideLayouts/slideLayout11.xml><?xml version="1.0" encoding="utf-8"?>
-<p:sldLayout xmlns:a="http://schemas.openxmlformats.org/drawingml/2006/main" xmlns:r="http://schemas.openxmlformats.org/officeDocument/2006/relationships" xmlns:p="http://schemas.openxmlformats.org/presentationml/2006/main" type="vertTitleAndTx" preserve="1">
-  <p:cSld name="세로 제목 및 텍스트">
-    <p:spTree>
-      <p:nvGrpSpPr>
-        <p:cNvPr id="1" name=""/>
-        <p:cNvGrpSpPr/>
-        <p:nvPr/>
-      </p:nvGrpSpPr>
-      <p:grpSpPr>
-        <a:xfrm>
-          <a:off x="0" y="0"/>
-          <a:ext cx="0" cy="0"/>
-          <a:chOff x="0" y="0"/>
-          <a:chExt cx="0" cy="0"/>
-        </a:xfrm>
-      </p:grpSpPr>
-      <p:sp>
-        <p:nvSpPr>
-          <p:cNvPr id="2" name="세로 제목 1"/>
-          <p:cNvSpPr>
-            <a:spLocks noGrp="1"/>
-          </p:cNvSpPr>
-          <p:nvPr>
-            <p:ph type="title" orient="vert"/>
-          </p:nvPr>
-        </p:nvSpPr>
-        <p:spPr>
-          <a:xfrm>
-            <a:off x="5386387" y="366715"/>
-            <a:ext cx="1671640" cy="7800975"/>
-          </a:xfrm>
-        </p:spPr>
-        <p:txBody>
-          <a:bodyPr vert="eaVert"/>
-          <a:lstStyle/>
-          <a:p>
-            <a:r>
-              <a:rPr lang="ko-KR" altLang="en-US" smtClean="0"/>
-              <a:t>마스터 제목 스타일 편집</a:t>
-            </a:r>
-            <a:endParaRPr lang="ko-KR" altLang="en-US"/>
-          </a:p>
-        </p:txBody>
-      </p:sp>
-      <p:sp>
-        <p:nvSpPr>
-          <p:cNvPr id="3" name="세로 텍스트 개체 틀 2"/>
-          <p:cNvSpPr>
-            <a:spLocks noGrp="1"/>
-          </p:cNvSpPr>
-          <p:nvPr>
-            <p:ph type="body" orient="vert" idx="1"/>
-          </p:nvPr>
-        </p:nvSpPr>
-        <p:spPr>
-          <a:xfrm>
-            <a:off x="371475" y="366715"/>
-            <a:ext cx="4849815" cy="7800975"/>
-          </a:xfrm>
-        </p:spPr>
-        <p:txBody>
-          <a:bodyPr vert="eaVert"/>
-          <a:lstStyle/>
-          <a:p>
-            <a:pPr lvl="0"/>
-            <a:r>
-              <a:rPr lang="ko-KR" altLang="en-US" smtClean="0"/>
-              <a:t>마스터 텍스트 스타일을 편집합니다</a:t>
-            </a:r>
-          </a:p>
-          <a:p>
-            <a:pPr lvl="1"/>
-            <a:r>
-              <a:rPr lang="ko-KR" altLang="en-US" smtClean="0"/>
-              <a:t>둘째 수준</a:t>
-            </a:r>
-          </a:p>
-          <a:p>
-            <a:pPr lvl="2"/>
-            <a:r>
-              <a:rPr lang="ko-KR" altLang="en-US" smtClean="0"/>
-              <a:t>셋째 수준</a:t>
-            </a:r>
-          </a:p>
-          <a:p>
-            <a:pPr lvl="3"/>
-            <a:r>
-              <a:rPr lang="ko-KR" altLang="en-US" smtClean="0"/>
-              <a:t>넷째 수준</a:t>
-            </a:r>
-          </a:p>
-          <a:p>
-            <a:pPr lvl="4"/>
-            <a:r>
-              <a:rPr lang="ko-KR" altLang="en-US" smtClean="0"/>
-              <a:t>다섯째 수준</a:t>
-            </a:r>
-            <a:endParaRPr lang="ko-KR" altLang="en-US"/>
-          </a:p>
-        </p:txBody>
-      </p:sp>
-      <p:sp>
-        <p:nvSpPr>
-          <p:cNvPr id="4" name="날짜 개체 틀 3"/>
-          <p:cNvSpPr>
-            <a:spLocks noGrp="1"/>
-          </p:cNvSpPr>
-          <p:nvPr>
-            <p:ph type="dt" sz="half" idx="10"/>
-          </p:nvPr>
-        </p:nvSpPr>
-        <p:spPr/>
-        <p:txBody>
-          <a:bodyPr/>
-          <a:lstStyle/>
-          <a:p>
-            <a:fld id="{41853962-48E5-4A7D-AB7A-0BFF2BE79943}" type="datetimeFigureOut">
-              <a:rPr lang="ko-KR" altLang="en-US" smtClean="0"/>
-              <a:t>2020-10-30</a:t>
-            </a:fld>
-            <a:endParaRPr lang="ko-KR" altLang="en-US"/>
-          </a:p>
-        </p:txBody>
-      </p:sp>
-      <p:sp>
-        <p:nvSpPr>
-          <p:cNvPr id="5" name="바닥글 개체 틀 4"/>
-          <p:cNvSpPr>
-            <a:spLocks noGrp="1"/>
-          </p:cNvSpPr>
-          <p:nvPr>
-            <p:ph type="ftr" sz="quarter" idx="11"/>
-          </p:nvPr>
-        </p:nvSpPr>
-        <p:spPr/>
-        <p:txBody>
-          <a:bodyPr/>
-          <a:lstStyle/>
-          <a:p>
-            <a:endParaRPr lang="ko-KR" altLang="en-US"/>
-          </a:p>
-        </p:txBody>
-      </p:sp>
-      <p:sp>
-        <p:nvSpPr>
-          <p:cNvPr id="6" name="슬라이드 번호 개체 틀 5"/>
-          <p:cNvSpPr>
-            <a:spLocks noGrp="1"/>
-          </p:cNvSpPr>
-          <p:nvPr>
-            <p:ph type="sldNum" sz="quarter" idx="12"/>
-          </p:nvPr>
-        </p:nvSpPr>
-        <p:spPr/>
-        <p:txBody>
-          <a:bodyPr/>
-          <a:lstStyle/>
-          <a:p>
-            <a:fld id="{C10C7D1B-6E15-4334-B7FB-F65A2E226732}" type="slidenum">
-              <a:rPr lang="ko-KR" altLang="en-US" smtClean="0"/>
-              <a:t>‹#›</a:t>
-            </a:fld>
-            <a:endParaRPr lang="ko-KR" altLang="en-US"/>
-          </a:p>
-        </p:txBody>
-      </p:sp>
-    </p:spTree>
-    <p:extLst>
-      <p:ext uri="{BB962C8B-B14F-4D97-AF65-F5344CB8AC3E}">
-        <p14:creationId xmlns:p14="http://schemas.microsoft.com/office/powerpoint/2010/main" val="3665013831"/>
-      </p:ext>
-    </p:extLst>
-  </p:cSld>
-  <p:clrMapOvr>
-    <a:masterClrMapping/>
-  </p:clrMapOvr>
-</p:sldLayout>
-</file>
-
-<file path=ppt/slideLayouts/slideLayout2.xml><?xml version="1.0" encoding="utf-8"?>
-<p:sldLayout xmlns:a="http://schemas.openxmlformats.org/drawingml/2006/main" xmlns:r="http://schemas.openxmlformats.org/officeDocument/2006/relationships" xmlns:p="http://schemas.openxmlformats.org/presentationml/2006/main" type="obj" preserve="1">
+<p:sldLayout xmlns:a="http://schemas.openxmlformats.org/drawingml/2006/main" xmlns:r="http://schemas.openxmlformats.org/officeDocument/2006/relationships" xmlns:p="http://schemas.openxmlformats.org/presentationml/2006/main" preserve="1" userDrawn="1">
   <p:cSld name="제목 및 내용">
     <p:spTree>
       <p:nvGrpSpPr>
@@ -716,1854 +129,10 @@
           <a:chExt cx="0" cy="0"/>
         </a:xfrm>
       </p:grpSpPr>
-      <p:sp>
-        <p:nvSpPr>
-          <p:cNvPr id="2" name="제목 1"/>
-          <p:cNvSpPr>
-            <a:spLocks noGrp="1"/>
-          </p:cNvSpPr>
-          <p:nvPr>
-            <p:ph type="title"/>
-          </p:nvPr>
-        </p:nvSpPr>
-        <p:spPr/>
-        <p:txBody>
-          <a:bodyPr/>
-          <a:lstStyle/>
-          <a:p>
-            <a:r>
-              <a:rPr lang="ko-KR" altLang="en-US" smtClean="0"/>
-              <a:t>마스터 제목 스타일 편집</a:t>
-            </a:r>
-            <a:endParaRPr lang="ko-KR" altLang="en-US"/>
-          </a:p>
-        </p:txBody>
-      </p:sp>
-      <p:sp>
-        <p:nvSpPr>
-          <p:cNvPr id="3" name="내용 개체 틀 2"/>
-          <p:cNvSpPr>
-            <a:spLocks noGrp="1"/>
-          </p:cNvSpPr>
-          <p:nvPr>
-            <p:ph idx="1"/>
-          </p:nvPr>
-        </p:nvSpPr>
-        <p:spPr/>
-        <p:txBody>
-          <a:bodyPr/>
-          <a:lstStyle/>
-          <a:p>
-            <a:pPr lvl="0"/>
-            <a:r>
-              <a:rPr lang="ko-KR" altLang="en-US" smtClean="0"/>
-              <a:t>마스터 텍스트 스타일을 편집합니다</a:t>
-            </a:r>
-          </a:p>
-          <a:p>
-            <a:pPr lvl="1"/>
-            <a:r>
-              <a:rPr lang="ko-KR" altLang="en-US" smtClean="0"/>
-              <a:t>둘째 수준</a:t>
-            </a:r>
-          </a:p>
-          <a:p>
-            <a:pPr lvl="2"/>
-            <a:r>
-              <a:rPr lang="ko-KR" altLang="en-US" smtClean="0"/>
-              <a:t>셋째 수준</a:t>
-            </a:r>
-          </a:p>
-          <a:p>
-            <a:pPr lvl="3"/>
-            <a:r>
-              <a:rPr lang="ko-KR" altLang="en-US" smtClean="0"/>
-              <a:t>넷째 수준</a:t>
-            </a:r>
-          </a:p>
-          <a:p>
-            <a:pPr lvl="4"/>
-            <a:r>
-              <a:rPr lang="ko-KR" altLang="en-US" smtClean="0"/>
-              <a:t>다섯째 수준</a:t>
-            </a:r>
-            <a:endParaRPr lang="ko-KR" altLang="en-US"/>
-          </a:p>
-        </p:txBody>
-      </p:sp>
-      <p:sp>
-        <p:nvSpPr>
-          <p:cNvPr id="4" name="날짜 개체 틀 3"/>
-          <p:cNvSpPr>
-            <a:spLocks noGrp="1"/>
-          </p:cNvSpPr>
-          <p:nvPr>
-            <p:ph type="dt" sz="half" idx="10"/>
-          </p:nvPr>
-        </p:nvSpPr>
-        <p:spPr/>
-        <p:txBody>
-          <a:bodyPr/>
-          <a:lstStyle/>
-          <a:p>
-            <a:fld id="{41853962-48E5-4A7D-AB7A-0BFF2BE79943}" type="datetimeFigureOut">
-              <a:rPr lang="ko-KR" altLang="en-US" smtClean="0"/>
-              <a:t>2020-10-30</a:t>
-            </a:fld>
-            <a:endParaRPr lang="ko-KR" altLang="en-US"/>
-          </a:p>
-        </p:txBody>
-      </p:sp>
-      <p:sp>
-        <p:nvSpPr>
-          <p:cNvPr id="5" name="바닥글 개체 틀 4"/>
-          <p:cNvSpPr>
-            <a:spLocks noGrp="1"/>
-          </p:cNvSpPr>
-          <p:nvPr>
-            <p:ph type="ftr" sz="quarter" idx="11"/>
-          </p:nvPr>
-        </p:nvSpPr>
-        <p:spPr/>
-        <p:txBody>
-          <a:bodyPr/>
-          <a:lstStyle/>
-          <a:p>
-            <a:endParaRPr lang="ko-KR" altLang="en-US"/>
-          </a:p>
-        </p:txBody>
-      </p:sp>
-      <p:sp>
-        <p:nvSpPr>
-          <p:cNvPr id="6" name="슬라이드 번호 개체 틀 5"/>
-          <p:cNvSpPr>
-            <a:spLocks noGrp="1"/>
-          </p:cNvSpPr>
-          <p:nvPr>
-            <p:ph type="sldNum" sz="quarter" idx="12"/>
-          </p:nvPr>
-        </p:nvSpPr>
-        <p:spPr/>
-        <p:txBody>
-          <a:bodyPr/>
-          <a:lstStyle/>
-          <a:p>
-            <a:fld id="{C10C7D1B-6E15-4334-B7FB-F65A2E226732}" type="slidenum">
-              <a:rPr lang="ko-KR" altLang="en-US" smtClean="0"/>
-              <a:t>‹#›</a:t>
-            </a:fld>
-            <a:endParaRPr lang="ko-KR" altLang="en-US"/>
-          </a:p>
-        </p:txBody>
-      </p:sp>
     </p:spTree>
     <p:extLst>
       <p:ext uri="{BB962C8B-B14F-4D97-AF65-F5344CB8AC3E}">
         <p14:creationId xmlns:p14="http://schemas.microsoft.com/office/powerpoint/2010/main" val="2758445419"/>
-      </p:ext>
-    </p:extLst>
-  </p:cSld>
-  <p:clrMapOvr>
-    <a:masterClrMapping/>
-  </p:clrMapOvr>
-</p:sldLayout>
-</file>
-
-<file path=ppt/slideLayouts/slideLayout3.xml><?xml version="1.0" encoding="utf-8"?>
-<p:sldLayout xmlns:a="http://schemas.openxmlformats.org/drawingml/2006/main" xmlns:r="http://schemas.openxmlformats.org/officeDocument/2006/relationships" xmlns:p="http://schemas.openxmlformats.org/presentationml/2006/main" type="secHead" preserve="1">
-  <p:cSld name="구역 머리글">
-    <p:spTree>
-      <p:nvGrpSpPr>
-        <p:cNvPr id="1" name=""/>
-        <p:cNvGrpSpPr/>
-        <p:nvPr/>
-      </p:nvGrpSpPr>
-      <p:grpSpPr>
-        <a:xfrm>
-          <a:off x="0" y="0"/>
-          <a:ext cx="0" cy="0"/>
-          <a:chOff x="0" y="0"/>
-          <a:chExt cx="0" cy="0"/>
-        </a:xfrm>
-      </p:grpSpPr>
-      <p:sp>
-        <p:nvSpPr>
-          <p:cNvPr id="2" name="제목 1"/>
-          <p:cNvSpPr>
-            <a:spLocks noGrp="1"/>
-          </p:cNvSpPr>
-          <p:nvPr>
-            <p:ph type="title"/>
-          </p:nvPr>
-        </p:nvSpPr>
-        <p:spPr>
-          <a:xfrm>
-            <a:off x="782506" y="4406901"/>
-            <a:ext cx="8420100" cy="1362075"/>
-          </a:xfrm>
-        </p:spPr>
-        <p:txBody>
-          <a:bodyPr anchor="t"/>
-          <a:lstStyle>
-            <a:lvl1pPr algn="l">
-              <a:defRPr sz="4333" b="1" cap="all"/>
-            </a:lvl1pPr>
-          </a:lstStyle>
-          <a:p>
-            <a:r>
-              <a:rPr lang="ko-KR" altLang="en-US" smtClean="0"/>
-              <a:t>마스터 제목 스타일 편집</a:t>
-            </a:r>
-            <a:endParaRPr lang="ko-KR" altLang="en-US"/>
-          </a:p>
-        </p:txBody>
-      </p:sp>
-      <p:sp>
-        <p:nvSpPr>
-          <p:cNvPr id="3" name="텍스트 개체 틀 2"/>
-          <p:cNvSpPr>
-            <a:spLocks noGrp="1"/>
-          </p:cNvSpPr>
-          <p:nvPr>
-            <p:ph type="body" idx="1"/>
-          </p:nvPr>
-        </p:nvSpPr>
-        <p:spPr>
-          <a:xfrm>
-            <a:off x="782506" y="2906716"/>
-            <a:ext cx="8420100" cy="1500187"/>
-          </a:xfrm>
-        </p:spPr>
-        <p:txBody>
-          <a:bodyPr anchor="b"/>
-          <a:lstStyle>
-            <a:lvl1pPr marL="0" indent="0">
-              <a:buNone/>
-              <a:defRPr sz="2167">
-                <a:solidFill>
-                  <a:schemeClr val="tx1">
-                    <a:tint val="75000"/>
-                  </a:schemeClr>
-                </a:solidFill>
-              </a:defRPr>
-            </a:lvl1pPr>
-            <a:lvl2pPr marL="495264" indent="0">
-              <a:buNone/>
-              <a:defRPr sz="1950">
-                <a:solidFill>
-                  <a:schemeClr val="tx1">
-                    <a:tint val="75000"/>
-                  </a:schemeClr>
-                </a:solidFill>
-              </a:defRPr>
-            </a:lvl2pPr>
-            <a:lvl3pPr marL="990528" indent="0">
-              <a:buNone/>
-              <a:defRPr sz="1733">
-                <a:solidFill>
-                  <a:schemeClr val="tx1">
-                    <a:tint val="75000"/>
-                  </a:schemeClr>
-                </a:solidFill>
-              </a:defRPr>
-            </a:lvl3pPr>
-            <a:lvl4pPr marL="1485792" indent="0">
-              <a:buNone/>
-              <a:defRPr sz="1517">
-                <a:solidFill>
-                  <a:schemeClr val="tx1">
-                    <a:tint val="75000"/>
-                  </a:schemeClr>
-                </a:solidFill>
-              </a:defRPr>
-            </a:lvl4pPr>
-            <a:lvl5pPr marL="1981056" indent="0">
-              <a:buNone/>
-              <a:defRPr sz="1517">
-                <a:solidFill>
-                  <a:schemeClr val="tx1">
-                    <a:tint val="75000"/>
-                  </a:schemeClr>
-                </a:solidFill>
-              </a:defRPr>
-            </a:lvl5pPr>
-            <a:lvl6pPr marL="2476320" indent="0">
-              <a:buNone/>
-              <a:defRPr sz="1517">
-                <a:solidFill>
-                  <a:schemeClr val="tx1">
-                    <a:tint val="75000"/>
-                  </a:schemeClr>
-                </a:solidFill>
-              </a:defRPr>
-            </a:lvl6pPr>
-            <a:lvl7pPr marL="2971584" indent="0">
-              <a:buNone/>
-              <a:defRPr sz="1517">
-                <a:solidFill>
-                  <a:schemeClr val="tx1">
-                    <a:tint val="75000"/>
-                  </a:schemeClr>
-                </a:solidFill>
-              </a:defRPr>
-            </a:lvl7pPr>
-            <a:lvl8pPr marL="3466848" indent="0">
-              <a:buNone/>
-              <a:defRPr sz="1517">
-                <a:solidFill>
-                  <a:schemeClr val="tx1">
-                    <a:tint val="75000"/>
-                  </a:schemeClr>
-                </a:solidFill>
-              </a:defRPr>
-            </a:lvl8pPr>
-            <a:lvl9pPr marL="3962112" indent="0">
-              <a:buNone/>
-              <a:defRPr sz="1517">
-                <a:solidFill>
-                  <a:schemeClr val="tx1">
-                    <a:tint val="75000"/>
-                  </a:schemeClr>
-                </a:solidFill>
-              </a:defRPr>
-            </a:lvl9pPr>
-          </a:lstStyle>
-          <a:p>
-            <a:pPr lvl="0"/>
-            <a:r>
-              <a:rPr lang="ko-KR" altLang="en-US" smtClean="0"/>
-              <a:t>마스터 텍스트 스타일을 편집합니다</a:t>
-            </a:r>
-          </a:p>
-        </p:txBody>
-      </p:sp>
-      <p:sp>
-        <p:nvSpPr>
-          <p:cNvPr id="4" name="날짜 개체 틀 3"/>
-          <p:cNvSpPr>
-            <a:spLocks noGrp="1"/>
-          </p:cNvSpPr>
-          <p:nvPr>
-            <p:ph type="dt" sz="half" idx="10"/>
-          </p:nvPr>
-        </p:nvSpPr>
-        <p:spPr/>
-        <p:txBody>
-          <a:bodyPr/>
-          <a:lstStyle/>
-          <a:p>
-            <a:fld id="{41853962-48E5-4A7D-AB7A-0BFF2BE79943}" type="datetimeFigureOut">
-              <a:rPr lang="ko-KR" altLang="en-US" smtClean="0"/>
-              <a:t>2020-10-30</a:t>
-            </a:fld>
-            <a:endParaRPr lang="ko-KR" altLang="en-US"/>
-          </a:p>
-        </p:txBody>
-      </p:sp>
-      <p:sp>
-        <p:nvSpPr>
-          <p:cNvPr id="5" name="바닥글 개체 틀 4"/>
-          <p:cNvSpPr>
-            <a:spLocks noGrp="1"/>
-          </p:cNvSpPr>
-          <p:nvPr>
-            <p:ph type="ftr" sz="quarter" idx="11"/>
-          </p:nvPr>
-        </p:nvSpPr>
-        <p:spPr/>
-        <p:txBody>
-          <a:bodyPr/>
-          <a:lstStyle/>
-          <a:p>
-            <a:endParaRPr lang="ko-KR" altLang="en-US"/>
-          </a:p>
-        </p:txBody>
-      </p:sp>
-      <p:sp>
-        <p:nvSpPr>
-          <p:cNvPr id="6" name="슬라이드 번호 개체 틀 5"/>
-          <p:cNvSpPr>
-            <a:spLocks noGrp="1"/>
-          </p:cNvSpPr>
-          <p:nvPr>
-            <p:ph type="sldNum" sz="quarter" idx="12"/>
-          </p:nvPr>
-        </p:nvSpPr>
-        <p:spPr/>
-        <p:txBody>
-          <a:bodyPr/>
-          <a:lstStyle/>
-          <a:p>
-            <a:fld id="{C10C7D1B-6E15-4334-B7FB-F65A2E226732}" type="slidenum">
-              <a:rPr lang="ko-KR" altLang="en-US" smtClean="0"/>
-              <a:t>‹#›</a:t>
-            </a:fld>
-            <a:endParaRPr lang="ko-KR" altLang="en-US"/>
-          </a:p>
-        </p:txBody>
-      </p:sp>
-    </p:spTree>
-    <p:extLst>
-      <p:ext uri="{BB962C8B-B14F-4D97-AF65-F5344CB8AC3E}">
-        <p14:creationId xmlns:p14="http://schemas.microsoft.com/office/powerpoint/2010/main" val="3303485601"/>
-      </p:ext>
-    </p:extLst>
-  </p:cSld>
-  <p:clrMapOvr>
-    <a:masterClrMapping/>
-  </p:clrMapOvr>
-</p:sldLayout>
-</file>
-
-<file path=ppt/slideLayouts/slideLayout4.xml><?xml version="1.0" encoding="utf-8"?>
-<p:sldLayout xmlns:a="http://schemas.openxmlformats.org/drawingml/2006/main" xmlns:r="http://schemas.openxmlformats.org/officeDocument/2006/relationships" xmlns:p="http://schemas.openxmlformats.org/presentationml/2006/main" type="twoObj" preserve="1">
-  <p:cSld name="콘텐츠 2개">
-    <p:spTree>
-      <p:nvGrpSpPr>
-        <p:cNvPr id="1" name=""/>
-        <p:cNvGrpSpPr/>
-        <p:nvPr/>
-      </p:nvGrpSpPr>
-      <p:grpSpPr>
-        <a:xfrm>
-          <a:off x="0" y="0"/>
-          <a:ext cx="0" cy="0"/>
-          <a:chOff x="0" y="0"/>
-          <a:chExt cx="0" cy="0"/>
-        </a:xfrm>
-      </p:grpSpPr>
-      <p:sp>
-        <p:nvSpPr>
-          <p:cNvPr id="2" name="제목 1"/>
-          <p:cNvSpPr>
-            <a:spLocks noGrp="1"/>
-          </p:cNvSpPr>
-          <p:nvPr>
-            <p:ph type="title"/>
-          </p:nvPr>
-        </p:nvSpPr>
-        <p:spPr/>
-        <p:txBody>
-          <a:bodyPr/>
-          <a:lstStyle/>
-          <a:p>
-            <a:r>
-              <a:rPr lang="ko-KR" altLang="en-US" smtClean="0"/>
-              <a:t>마스터 제목 스타일 편집</a:t>
-            </a:r>
-            <a:endParaRPr lang="ko-KR" altLang="en-US"/>
-          </a:p>
-        </p:txBody>
-      </p:sp>
-      <p:sp>
-        <p:nvSpPr>
-          <p:cNvPr id="3" name="내용 개체 틀 2"/>
-          <p:cNvSpPr>
-            <a:spLocks noGrp="1"/>
-          </p:cNvSpPr>
-          <p:nvPr>
-            <p:ph sz="half" idx="1"/>
-          </p:nvPr>
-        </p:nvSpPr>
-        <p:spPr>
-          <a:xfrm>
-            <a:off x="371477" y="2133601"/>
-            <a:ext cx="3260725" cy="6034088"/>
-          </a:xfrm>
-        </p:spPr>
-        <p:txBody>
-          <a:bodyPr/>
-          <a:lstStyle>
-            <a:lvl1pPr>
-              <a:defRPr sz="3033"/>
-            </a:lvl1pPr>
-            <a:lvl2pPr>
-              <a:defRPr sz="2600"/>
-            </a:lvl2pPr>
-            <a:lvl3pPr>
-              <a:defRPr sz="2167"/>
-            </a:lvl3pPr>
-            <a:lvl4pPr>
-              <a:defRPr sz="1950"/>
-            </a:lvl4pPr>
-            <a:lvl5pPr>
-              <a:defRPr sz="1950"/>
-            </a:lvl5pPr>
-            <a:lvl6pPr>
-              <a:defRPr sz="1950"/>
-            </a:lvl6pPr>
-            <a:lvl7pPr>
-              <a:defRPr sz="1950"/>
-            </a:lvl7pPr>
-            <a:lvl8pPr>
-              <a:defRPr sz="1950"/>
-            </a:lvl8pPr>
-            <a:lvl9pPr>
-              <a:defRPr sz="1950"/>
-            </a:lvl9pPr>
-          </a:lstStyle>
-          <a:p>
-            <a:pPr lvl="0"/>
-            <a:r>
-              <a:rPr lang="ko-KR" altLang="en-US" smtClean="0"/>
-              <a:t>마스터 텍스트 스타일을 편집합니다</a:t>
-            </a:r>
-          </a:p>
-          <a:p>
-            <a:pPr lvl="1"/>
-            <a:r>
-              <a:rPr lang="ko-KR" altLang="en-US" smtClean="0"/>
-              <a:t>둘째 수준</a:t>
-            </a:r>
-          </a:p>
-          <a:p>
-            <a:pPr lvl="2"/>
-            <a:r>
-              <a:rPr lang="ko-KR" altLang="en-US" smtClean="0"/>
-              <a:t>셋째 수준</a:t>
-            </a:r>
-          </a:p>
-          <a:p>
-            <a:pPr lvl="3"/>
-            <a:r>
-              <a:rPr lang="ko-KR" altLang="en-US" smtClean="0"/>
-              <a:t>넷째 수준</a:t>
-            </a:r>
-          </a:p>
-          <a:p>
-            <a:pPr lvl="4"/>
-            <a:r>
-              <a:rPr lang="ko-KR" altLang="en-US" smtClean="0"/>
-              <a:t>다섯째 수준</a:t>
-            </a:r>
-            <a:endParaRPr lang="ko-KR" altLang="en-US"/>
-          </a:p>
-        </p:txBody>
-      </p:sp>
-      <p:sp>
-        <p:nvSpPr>
-          <p:cNvPr id="4" name="내용 개체 틀 3"/>
-          <p:cNvSpPr>
-            <a:spLocks noGrp="1"/>
-          </p:cNvSpPr>
-          <p:nvPr>
-            <p:ph sz="half" idx="2"/>
-          </p:nvPr>
-        </p:nvSpPr>
-        <p:spPr>
-          <a:xfrm>
-            <a:off x="3797302" y="2133601"/>
-            <a:ext cx="3260725" cy="6034088"/>
-          </a:xfrm>
-        </p:spPr>
-        <p:txBody>
-          <a:bodyPr/>
-          <a:lstStyle>
-            <a:lvl1pPr>
-              <a:defRPr sz="3033"/>
-            </a:lvl1pPr>
-            <a:lvl2pPr>
-              <a:defRPr sz="2600"/>
-            </a:lvl2pPr>
-            <a:lvl3pPr>
-              <a:defRPr sz="2167"/>
-            </a:lvl3pPr>
-            <a:lvl4pPr>
-              <a:defRPr sz="1950"/>
-            </a:lvl4pPr>
-            <a:lvl5pPr>
-              <a:defRPr sz="1950"/>
-            </a:lvl5pPr>
-            <a:lvl6pPr>
-              <a:defRPr sz="1950"/>
-            </a:lvl6pPr>
-            <a:lvl7pPr>
-              <a:defRPr sz="1950"/>
-            </a:lvl7pPr>
-            <a:lvl8pPr>
-              <a:defRPr sz="1950"/>
-            </a:lvl8pPr>
-            <a:lvl9pPr>
-              <a:defRPr sz="1950"/>
-            </a:lvl9pPr>
-          </a:lstStyle>
-          <a:p>
-            <a:pPr lvl="0"/>
-            <a:r>
-              <a:rPr lang="ko-KR" altLang="en-US" smtClean="0"/>
-              <a:t>마스터 텍스트 스타일을 편집합니다</a:t>
-            </a:r>
-          </a:p>
-          <a:p>
-            <a:pPr lvl="1"/>
-            <a:r>
-              <a:rPr lang="ko-KR" altLang="en-US" smtClean="0"/>
-              <a:t>둘째 수준</a:t>
-            </a:r>
-          </a:p>
-          <a:p>
-            <a:pPr lvl="2"/>
-            <a:r>
-              <a:rPr lang="ko-KR" altLang="en-US" smtClean="0"/>
-              <a:t>셋째 수준</a:t>
-            </a:r>
-          </a:p>
-          <a:p>
-            <a:pPr lvl="3"/>
-            <a:r>
-              <a:rPr lang="ko-KR" altLang="en-US" smtClean="0"/>
-              <a:t>넷째 수준</a:t>
-            </a:r>
-          </a:p>
-          <a:p>
-            <a:pPr lvl="4"/>
-            <a:r>
-              <a:rPr lang="ko-KR" altLang="en-US" smtClean="0"/>
-              <a:t>다섯째 수준</a:t>
-            </a:r>
-            <a:endParaRPr lang="ko-KR" altLang="en-US"/>
-          </a:p>
-        </p:txBody>
-      </p:sp>
-      <p:sp>
-        <p:nvSpPr>
-          <p:cNvPr id="5" name="날짜 개체 틀 4"/>
-          <p:cNvSpPr>
-            <a:spLocks noGrp="1"/>
-          </p:cNvSpPr>
-          <p:nvPr>
-            <p:ph type="dt" sz="half" idx="10"/>
-          </p:nvPr>
-        </p:nvSpPr>
-        <p:spPr/>
-        <p:txBody>
-          <a:bodyPr/>
-          <a:lstStyle/>
-          <a:p>
-            <a:fld id="{41853962-48E5-4A7D-AB7A-0BFF2BE79943}" type="datetimeFigureOut">
-              <a:rPr lang="ko-KR" altLang="en-US" smtClean="0"/>
-              <a:t>2020-10-30</a:t>
-            </a:fld>
-            <a:endParaRPr lang="ko-KR" altLang="en-US"/>
-          </a:p>
-        </p:txBody>
-      </p:sp>
-      <p:sp>
-        <p:nvSpPr>
-          <p:cNvPr id="6" name="바닥글 개체 틀 5"/>
-          <p:cNvSpPr>
-            <a:spLocks noGrp="1"/>
-          </p:cNvSpPr>
-          <p:nvPr>
-            <p:ph type="ftr" sz="quarter" idx="11"/>
-          </p:nvPr>
-        </p:nvSpPr>
-        <p:spPr/>
-        <p:txBody>
-          <a:bodyPr/>
-          <a:lstStyle/>
-          <a:p>
-            <a:endParaRPr lang="ko-KR" altLang="en-US"/>
-          </a:p>
-        </p:txBody>
-      </p:sp>
-      <p:sp>
-        <p:nvSpPr>
-          <p:cNvPr id="7" name="슬라이드 번호 개체 틀 6"/>
-          <p:cNvSpPr>
-            <a:spLocks noGrp="1"/>
-          </p:cNvSpPr>
-          <p:nvPr>
-            <p:ph type="sldNum" sz="quarter" idx="12"/>
-          </p:nvPr>
-        </p:nvSpPr>
-        <p:spPr/>
-        <p:txBody>
-          <a:bodyPr/>
-          <a:lstStyle/>
-          <a:p>
-            <a:fld id="{C10C7D1B-6E15-4334-B7FB-F65A2E226732}" type="slidenum">
-              <a:rPr lang="ko-KR" altLang="en-US" smtClean="0"/>
-              <a:t>‹#›</a:t>
-            </a:fld>
-            <a:endParaRPr lang="ko-KR" altLang="en-US"/>
-          </a:p>
-        </p:txBody>
-      </p:sp>
-    </p:spTree>
-    <p:extLst>
-      <p:ext uri="{BB962C8B-B14F-4D97-AF65-F5344CB8AC3E}">
-        <p14:creationId xmlns:p14="http://schemas.microsoft.com/office/powerpoint/2010/main" val="1843022270"/>
-      </p:ext>
-    </p:extLst>
-  </p:cSld>
-  <p:clrMapOvr>
-    <a:masterClrMapping/>
-  </p:clrMapOvr>
-</p:sldLayout>
-</file>
-
-<file path=ppt/slideLayouts/slideLayout5.xml><?xml version="1.0" encoding="utf-8"?>
-<p:sldLayout xmlns:a="http://schemas.openxmlformats.org/drawingml/2006/main" xmlns:r="http://schemas.openxmlformats.org/officeDocument/2006/relationships" xmlns:p="http://schemas.openxmlformats.org/presentationml/2006/main" type="twoTxTwoObj" preserve="1">
-  <p:cSld name="비교">
-    <p:spTree>
-      <p:nvGrpSpPr>
-        <p:cNvPr id="1" name=""/>
-        <p:cNvGrpSpPr/>
-        <p:nvPr/>
-      </p:nvGrpSpPr>
-      <p:grpSpPr>
-        <a:xfrm>
-          <a:off x="0" y="0"/>
-          <a:ext cx="0" cy="0"/>
-          <a:chOff x="0" y="0"/>
-          <a:chExt cx="0" cy="0"/>
-        </a:xfrm>
-      </p:grpSpPr>
-      <p:sp>
-        <p:nvSpPr>
-          <p:cNvPr id="2" name="제목 1"/>
-          <p:cNvSpPr>
-            <a:spLocks noGrp="1"/>
-          </p:cNvSpPr>
-          <p:nvPr>
-            <p:ph type="title"/>
-          </p:nvPr>
-        </p:nvSpPr>
-        <p:spPr>
-          <a:xfrm>
-            <a:off x="495300" y="274638"/>
-            <a:ext cx="8915400" cy="1143000"/>
-          </a:xfrm>
-        </p:spPr>
-        <p:txBody>
-          <a:bodyPr/>
-          <a:lstStyle>
-            <a:lvl1pPr>
-              <a:defRPr/>
-            </a:lvl1pPr>
-          </a:lstStyle>
-          <a:p>
-            <a:r>
-              <a:rPr lang="ko-KR" altLang="en-US" smtClean="0"/>
-              <a:t>마스터 제목 스타일 편집</a:t>
-            </a:r>
-            <a:endParaRPr lang="ko-KR" altLang="en-US"/>
-          </a:p>
-        </p:txBody>
-      </p:sp>
-      <p:sp>
-        <p:nvSpPr>
-          <p:cNvPr id="3" name="텍스트 개체 틀 2"/>
-          <p:cNvSpPr>
-            <a:spLocks noGrp="1"/>
-          </p:cNvSpPr>
-          <p:nvPr>
-            <p:ph type="body" idx="1"/>
-          </p:nvPr>
-        </p:nvSpPr>
-        <p:spPr>
-          <a:xfrm>
-            <a:off x="495302" y="1535113"/>
-            <a:ext cx="4376870" cy="639762"/>
-          </a:xfrm>
-        </p:spPr>
-        <p:txBody>
-          <a:bodyPr anchor="b"/>
-          <a:lstStyle>
-            <a:lvl1pPr marL="0" indent="0">
-              <a:buNone/>
-              <a:defRPr sz="2600" b="1"/>
-            </a:lvl1pPr>
-            <a:lvl2pPr marL="495264" indent="0">
-              <a:buNone/>
-              <a:defRPr sz="2167" b="1"/>
-            </a:lvl2pPr>
-            <a:lvl3pPr marL="990528" indent="0">
-              <a:buNone/>
-              <a:defRPr sz="1950" b="1"/>
-            </a:lvl3pPr>
-            <a:lvl4pPr marL="1485792" indent="0">
-              <a:buNone/>
-              <a:defRPr sz="1733" b="1"/>
-            </a:lvl4pPr>
-            <a:lvl5pPr marL="1981056" indent="0">
-              <a:buNone/>
-              <a:defRPr sz="1733" b="1"/>
-            </a:lvl5pPr>
-            <a:lvl6pPr marL="2476320" indent="0">
-              <a:buNone/>
-              <a:defRPr sz="1733" b="1"/>
-            </a:lvl6pPr>
-            <a:lvl7pPr marL="2971584" indent="0">
-              <a:buNone/>
-              <a:defRPr sz="1733" b="1"/>
-            </a:lvl7pPr>
-            <a:lvl8pPr marL="3466848" indent="0">
-              <a:buNone/>
-              <a:defRPr sz="1733" b="1"/>
-            </a:lvl8pPr>
-            <a:lvl9pPr marL="3962112" indent="0">
-              <a:buNone/>
-              <a:defRPr sz="1733" b="1"/>
-            </a:lvl9pPr>
-          </a:lstStyle>
-          <a:p>
-            <a:pPr lvl="0"/>
-            <a:r>
-              <a:rPr lang="ko-KR" altLang="en-US" smtClean="0"/>
-              <a:t>마스터 텍스트 스타일을 편집합니다</a:t>
-            </a:r>
-          </a:p>
-        </p:txBody>
-      </p:sp>
-      <p:sp>
-        <p:nvSpPr>
-          <p:cNvPr id="4" name="내용 개체 틀 3"/>
-          <p:cNvSpPr>
-            <a:spLocks noGrp="1"/>
-          </p:cNvSpPr>
-          <p:nvPr>
-            <p:ph sz="half" idx="2"/>
-          </p:nvPr>
-        </p:nvSpPr>
-        <p:spPr>
-          <a:xfrm>
-            <a:off x="495302" y="2174875"/>
-            <a:ext cx="4376870" cy="3951288"/>
-          </a:xfrm>
-        </p:spPr>
-        <p:txBody>
-          <a:bodyPr/>
-          <a:lstStyle>
-            <a:lvl1pPr>
-              <a:defRPr sz="2600"/>
-            </a:lvl1pPr>
-            <a:lvl2pPr>
-              <a:defRPr sz="2167"/>
-            </a:lvl2pPr>
-            <a:lvl3pPr>
-              <a:defRPr sz="1950"/>
-            </a:lvl3pPr>
-            <a:lvl4pPr>
-              <a:defRPr sz="1733"/>
-            </a:lvl4pPr>
-            <a:lvl5pPr>
-              <a:defRPr sz="1733"/>
-            </a:lvl5pPr>
-            <a:lvl6pPr>
-              <a:defRPr sz="1733"/>
-            </a:lvl6pPr>
-            <a:lvl7pPr>
-              <a:defRPr sz="1733"/>
-            </a:lvl7pPr>
-            <a:lvl8pPr>
-              <a:defRPr sz="1733"/>
-            </a:lvl8pPr>
-            <a:lvl9pPr>
-              <a:defRPr sz="1733"/>
-            </a:lvl9pPr>
-          </a:lstStyle>
-          <a:p>
-            <a:pPr lvl="0"/>
-            <a:r>
-              <a:rPr lang="ko-KR" altLang="en-US" smtClean="0"/>
-              <a:t>마스터 텍스트 스타일을 편집합니다</a:t>
-            </a:r>
-          </a:p>
-          <a:p>
-            <a:pPr lvl="1"/>
-            <a:r>
-              <a:rPr lang="ko-KR" altLang="en-US" smtClean="0"/>
-              <a:t>둘째 수준</a:t>
-            </a:r>
-          </a:p>
-          <a:p>
-            <a:pPr lvl="2"/>
-            <a:r>
-              <a:rPr lang="ko-KR" altLang="en-US" smtClean="0"/>
-              <a:t>셋째 수준</a:t>
-            </a:r>
-          </a:p>
-          <a:p>
-            <a:pPr lvl="3"/>
-            <a:r>
-              <a:rPr lang="ko-KR" altLang="en-US" smtClean="0"/>
-              <a:t>넷째 수준</a:t>
-            </a:r>
-          </a:p>
-          <a:p>
-            <a:pPr lvl="4"/>
-            <a:r>
-              <a:rPr lang="ko-KR" altLang="en-US" smtClean="0"/>
-              <a:t>다섯째 수준</a:t>
-            </a:r>
-            <a:endParaRPr lang="ko-KR" altLang="en-US"/>
-          </a:p>
-        </p:txBody>
-      </p:sp>
-      <p:sp>
-        <p:nvSpPr>
-          <p:cNvPr id="5" name="텍스트 개체 틀 4"/>
-          <p:cNvSpPr>
-            <a:spLocks noGrp="1"/>
-          </p:cNvSpPr>
-          <p:nvPr>
-            <p:ph type="body" sz="quarter" idx="3"/>
-          </p:nvPr>
-        </p:nvSpPr>
-        <p:spPr>
-          <a:xfrm>
-            <a:off x="5032112" y="1535113"/>
-            <a:ext cx="4378591" cy="639762"/>
-          </a:xfrm>
-        </p:spPr>
-        <p:txBody>
-          <a:bodyPr anchor="b"/>
-          <a:lstStyle>
-            <a:lvl1pPr marL="0" indent="0">
-              <a:buNone/>
-              <a:defRPr sz="2600" b="1"/>
-            </a:lvl1pPr>
-            <a:lvl2pPr marL="495264" indent="0">
-              <a:buNone/>
-              <a:defRPr sz="2167" b="1"/>
-            </a:lvl2pPr>
-            <a:lvl3pPr marL="990528" indent="0">
-              <a:buNone/>
-              <a:defRPr sz="1950" b="1"/>
-            </a:lvl3pPr>
-            <a:lvl4pPr marL="1485792" indent="0">
-              <a:buNone/>
-              <a:defRPr sz="1733" b="1"/>
-            </a:lvl4pPr>
-            <a:lvl5pPr marL="1981056" indent="0">
-              <a:buNone/>
-              <a:defRPr sz="1733" b="1"/>
-            </a:lvl5pPr>
-            <a:lvl6pPr marL="2476320" indent="0">
-              <a:buNone/>
-              <a:defRPr sz="1733" b="1"/>
-            </a:lvl6pPr>
-            <a:lvl7pPr marL="2971584" indent="0">
-              <a:buNone/>
-              <a:defRPr sz="1733" b="1"/>
-            </a:lvl7pPr>
-            <a:lvl8pPr marL="3466848" indent="0">
-              <a:buNone/>
-              <a:defRPr sz="1733" b="1"/>
-            </a:lvl8pPr>
-            <a:lvl9pPr marL="3962112" indent="0">
-              <a:buNone/>
-              <a:defRPr sz="1733" b="1"/>
-            </a:lvl9pPr>
-          </a:lstStyle>
-          <a:p>
-            <a:pPr lvl="0"/>
-            <a:r>
-              <a:rPr lang="ko-KR" altLang="en-US" smtClean="0"/>
-              <a:t>마스터 텍스트 스타일을 편집합니다</a:t>
-            </a:r>
-          </a:p>
-        </p:txBody>
-      </p:sp>
-      <p:sp>
-        <p:nvSpPr>
-          <p:cNvPr id="6" name="내용 개체 틀 5"/>
-          <p:cNvSpPr>
-            <a:spLocks noGrp="1"/>
-          </p:cNvSpPr>
-          <p:nvPr>
-            <p:ph sz="quarter" idx="4"/>
-          </p:nvPr>
-        </p:nvSpPr>
-        <p:spPr>
-          <a:xfrm>
-            <a:off x="5032112" y="2174875"/>
-            <a:ext cx="4378591" cy="3951288"/>
-          </a:xfrm>
-        </p:spPr>
-        <p:txBody>
-          <a:bodyPr/>
-          <a:lstStyle>
-            <a:lvl1pPr>
-              <a:defRPr sz="2600"/>
-            </a:lvl1pPr>
-            <a:lvl2pPr>
-              <a:defRPr sz="2167"/>
-            </a:lvl2pPr>
-            <a:lvl3pPr>
-              <a:defRPr sz="1950"/>
-            </a:lvl3pPr>
-            <a:lvl4pPr>
-              <a:defRPr sz="1733"/>
-            </a:lvl4pPr>
-            <a:lvl5pPr>
-              <a:defRPr sz="1733"/>
-            </a:lvl5pPr>
-            <a:lvl6pPr>
-              <a:defRPr sz="1733"/>
-            </a:lvl6pPr>
-            <a:lvl7pPr>
-              <a:defRPr sz="1733"/>
-            </a:lvl7pPr>
-            <a:lvl8pPr>
-              <a:defRPr sz="1733"/>
-            </a:lvl8pPr>
-            <a:lvl9pPr>
-              <a:defRPr sz="1733"/>
-            </a:lvl9pPr>
-          </a:lstStyle>
-          <a:p>
-            <a:pPr lvl="0"/>
-            <a:r>
-              <a:rPr lang="ko-KR" altLang="en-US" smtClean="0"/>
-              <a:t>마스터 텍스트 스타일을 편집합니다</a:t>
-            </a:r>
-          </a:p>
-          <a:p>
-            <a:pPr lvl="1"/>
-            <a:r>
-              <a:rPr lang="ko-KR" altLang="en-US" smtClean="0"/>
-              <a:t>둘째 수준</a:t>
-            </a:r>
-          </a:p>
-          <a:p>
-            <a:pPr lvl="2"/>
-            <a:r>
-              <a:rPr lang="ko-KR" altLang="en-US" smtClean="0"/>
-              <a:t>셋째 수준</a:t>
-            </a:r>
-          </a:p>
-          <a:p>
-            <a:pPr lvl="3"/>
-            <a:r>
-              <a:rPr lang="ko-KR" altLang="en-US" smtClean="0"/>
-              <a:t>넷째 수준</a:t>
-            </a:r>
-          </a:p>
-          <a:p>
-            <a:pPr lvl="4"/>
-            <a:r>
-              <a:rPr lang="ko-KR" altLang="en-US" smtClean="0"/>
-              <a:t>다섯째 수준</a:t>
-            </a:r>
-            <a:endParaRPr lang="ko-KR" altLang="en-US"/>
-          </a:p>
-        </p:txBody>
-      </p:sp>
-      <p:sp>
-        <p:nvSpPr>
-          <p:cNvPr id="7" name="날짜 개체 틀 6"/>
-          <p:cNvSpPr>
-            <a:spLocks noGrp="1"/>
-          </p:cNvSpPr>
-          <p:nvPr>
-            <p:ph type="dt" sz="half" idx="10"/>
-          </p:nvPr>
-        </p:nvSpPr>
-        <p:spPr/>
-        <p:txBody>
-          <a:bodyPr/>
-          <a:lstStyle/>
-          <a:p>
-            <a:fld id="{41853962-48E5-4A7D-AB7A-0BFF2BE79943}" type="datetimeFigureOut">
-              <a:rPr lang="ko-KR" altLang="en-US" smtClean="0"/>
-              <a:t>2020-10-30</a:t>
-            </a:fld>
-            <a:endParaRPr lang="ko-KR" altLang="en-US"/>
-          </a:p>
-        </p:txBody>
-      </p:sp>
-      <p:sp>
-        <p:nvSpPr>
-          <p:cNvPr id="8" name="바닥글 개체 틀 7"/>
-          <p:cNvSpPr>
-            <a:spLocks noGrp="1"/>
-          </p:cNvSpPr>
-          <p:nvPr>
-            <p:ph type="ftr" sz="quarter" idx="11"/>
-          </p:nvPr>
-        </p:nvSpPr>
-        <p:spPr/>
-        <p:txBody>
-          <a:bodyPr/>
-          <a:lstStyle/>
-          <a:p>
-            <a:endParaRPr lang="ko-KR" altLang="en-US"/>
-          </a:p>
-        </p:txBody>
-      </p:sp>
-      <p:sp>
-        <p:nvSpPr>
-          <p:cNvPr id="9" name="슬라이드 번호 개체 틀 8"/>
-          <p:cNvSpPr>
-            <a:spLocks noGrp="1"/>
-          </p:cNvSpPr>
-          <p:nvPr>
-            <p:ph type="sldNum" sz="quarter" idx="12"/>
-          </p:nvPr>
-        </p:nvSpPr>
-        <p:spPr/>
-        <p:txBody>
-          <a:bodyPr/>
-          <a:lstStyle/>
-          <a:p>
-            <a:fld id="{C10C7D1B-6E15-4334-B7FB-F65A2E226732}" type="slidenum">
-              <a:rPr lang="ko-KR" altLang="en-US" smtClean="0"/>
-              <a:t>‹#›</a:t>
-            </a:fld>
-            <a:endParaRPr lang="ko-KR" altLang="en-US"/>
-          </a:p>
-        </p:txBody>
-      </p:sp>
-    </p:spTree>
-    <p:extLst>
-      <p:ext uri="{BB962C8B-B14F-4D97-AF65-F5344CB8AC3E}">
-        <p14:creationId xmlns:p14="http://schemas.microsoft.com/office/powerpoint/2010/main" val="51552397"/>
-      </p:ext>
-    </p:extLst>
-  </p:cSld>
-  <p:clrMapOvr>
-    <a:masterClrMapping/>
-  </p:clrMapOvr>
-</p:sldLayout>
-</file>
-
-<file path=ppt/slideLayouts/slideLayout6.xml><?xml version="1.0" encoding="utf-8"?>
-<p:sldLayout xmlns:a="http://schemas.openxmlformats.org/drawingml/2006/main" xmlns:r="http://schemas.openxmlformats.org/officeDocument/2006/relationships" xmlns:p="http://schemas.openxmlformats.org/presentationml/2006/main" type="titleOnly" preserve="1">
-  <p:cSld name="제목만">
-    <p:spTree>
-      <p:nvGrpSpPr>
-        <p:cNvPr id="1" name=""/>
-        <p:cNvGrpSpPr/>
-        <p:nvPr/>
-      </p:nvGrpSpPr>
-      <p:grpSpPr>
-        <a:xfrm>
-          <a:off x="0" y="0"/>
-          <a:ext cx="0" cy="0"/>
-          <a:chOff x="0" y="0"/>
-          <a:chExt cx="0" cy="0"/>
-        </a:xfrm>
-      </p:grpSpPr>
-      <p:sp>
-        <p:nvSpPr>
-          <p:cNvPr id="2" name="제목 1"/>
-          <p:cNvSpPr>
-            <a:spLocks noGrp="1"/>
-          </p:cNvSpPr>
-          <p:nvPr>
-            <p:ph type="title"/>
-          </p:nvPr>
-        </p:nvSpPr>
-        <p:spPr/>
-        <p:txBody>
-          <a:bodyPr/>
-          <a:lstStyle/>
-          <a:p>
-            <a:r>
-              <a:rPr lang="ko-KR" altLang="en-US" smtClean="0"/>
-              <a:t>마스터 제목 스타일 편집</a:t>
-            </a:r>
-            <a:endParaRPr lang="ko-KR" altLang="en-US"/>
-          </a:p>
-        </p:txBody>
-      </p:sp>
-      <p:sp>
-        <p:nvSpPr>
-          <p:cNvPr id="3" name="날짜 개체 틀 2"/>
-          <p:cNvSpPr>
-            <a:spLocks noGrp="1"/>
-          </p:cNvSpPr>
-          <p:nvPr>
-            <p:ph type="dt" sz="half" idx="10"/>
-          </p:nvPr>
-        </p:nvSpPr>
-        <p:spPr/>
-        <p:txBody>
-          <a:bodyPr/>
-          <a:lstStyle/>
-          <a:p>
-            <a:fld id="{41853962-48E5-4A7D-AB7A-0BFF2BE79943}" type="datetimeFigureOut">
-              <a:rPr lang="ko-KR" altLang="en-US" smtClean="0"/>
-              <a:t>2020-10-30</a:t>
-            </a:fld>
-            <a:endParaRPr lang="ko-KR" altLang="en-US"/>
-          </a:p>
-        </p:txBody>
-      </p:sp>
-      <p:sp>
-        <p:nvSpPr>
-          <p:cNvPr id="4" name="바닥글 개체 틀 3"/>
-          <p:cNvSpPr>
-            <a:spLocks noGrp="1"/>
-          </p:cNvSpPr>
-          <p:nvPr>
-            <p:ph type="ftr" sz="quarter" idx="11"/>
-          </p:nvPr>
-        </p:nvSpPr>
-        <p:spPr/>
-        <p:txBody>
-          <a:bodyPr/>
-          <a:lstStyle/>
-          <a:p>
-            <a:endParaRPr lang="ko-KR" altLang="en-US"/>
-          </a:p>
-        </p:txBody>
-      </p:sp>
-      <p:sp>
-        <p:nvSpPr>
-          <p:cNvPr id="5" name="슬라이드 번호 개체 틀 4"/>
-          <p:cNvSpPr>
-            <a:spLocks noGrp="1"/>
-          </p:cNvSpPr>
-          <p:nvPr>
-            <p:ph type="sldNum" sz="quarter" idx="12"/>
-          </p:nvPr>
-        </p:nvSpPr>
-        <p:spPr/>
-        <p:txBody>
-          <a:bodyPr/>
-          <a:lstStyle/>
-          <a:p>
-            <a:fld id="{C10C7D1B-6E15-4334-B7FB-F65A2E226732}" type="slidenum">
-              <a:rPr lang="ko-KR" altLang="en-US" smtClean="0"/>
-              <a:t>‹#›</a:t>
-            </a:fld>
-            <a:endParaRPr lang="ko-KR" altLang="en-US"/>
-          </a:p>
-        </p:txBody>
-      </p:sp>
-    </p:spTree>
-    <p:extLst>
-      <p:ext uri="{BB962C8B-B14F-4D97-AF65-F5344CB8AC3E}">
-        <p14:creationId xmlns:p14="http://schemas.microsoft.com/office/powerpoint/2010/main" val="551798469"/>
-      </p:ext>
-    </p:extLst>
-  </p:cSld>
-  <p:clrMapOvr>
-    <a:masterClrMapping/>
-  </p:clrMapOvr>
-</p:sldLayout>
-</file>
-
-<file path=ppt/slideLayouts/slideLayout7.xml><?xml version="1.0" encoding="utf-8"?>
-<p:sldLayout xmlns:a="http://schemas.openxmlformats.org/drawingml/2006/main" xmlns:r="http://schemas.openxmlformats.org/officeDocument/2006/relationships" xmlns:p="http://schemas.openxmlformats.org/presentationml/2006/main" type="blank" preserve="1">
-  <p:cSld name="빈 화면">
-    <p:spTree>
-      <p:nvGrpSpPr>
-        <p:cNvPr id="1" name=""/>
-        <p:cNvGrpSpPr/>
-        <p:nvPr/>
-      </p:nvGrpSpPr>
-      <p:grpSpPr>
-        <a:xfrm>
-          <a:off x="0" y="0"/>
-          <a:ext cx="0" cy="0"/>
-          <a:chOff x="0" y="0"/>
-          <a:chExt cx="0" cy="0"/>
-        </a:xfrm>
-      </p:grpSpPr>
-      <p:sp>
-        <p:nvSpPr>
-          <p:cNvPr id="2" name="날짜 개체 틀 1"/>
-          <p:cNvSpPr>
-            <a:spLocks noGrp="1"/>
-          </p:cNvSpPr>
-          <p:nvPr>
-            <p:ph type="dt" sz="half" idx="10"/>
-          </p:nvPr>
-        </p:nvSpPr>
-        <p:spPr/>
-        <p:txBody>
-          <a:bodyPr/>
-          <a:lstStyle/>
-          <a:p>
-            <a:fld id="{41853962-48E5-4A7D-AB7A-0BFF2BE79943}" type="datetimeFigureOut">
-              <a:rPr lang="ko-KR" altLang="en-US" smtClean="0"/>
-              <a:t>2020-10-30</a:t>
-            </a:fld>
-            <a:endParaRPr lang="ko-KR" altLang="en-US"/>
-          </a:p>
-        </p:txBody>
-      </p:sp>
-      <p:sp>
-        <p:nvSpPr>
-          <p:cNvPr id="3" name="바닥글 개체 틀 2"/>
-          <p:cNvSpPr>
-            <a:spLocks noGrp="1"/>
-          </p:cNvSpPr>
-          <p:nvPr>
-            <p:ph type="ftr" sz="quarter" idx="11"/>
-          </p:nvPr>
-        </p:nvSpPr>
-        <p:spPr/>
-        <p:txBody>
-          <a:bodyPr/>
-          <a:lstStyle/>
-          <a:p>
-            <a:endParaRPr lang="ko-KR" altLang="en-US"/>
-          </a:p>
-        </p:txBody>
-      </p:sp>
-      <p:sp>
-        <p:nvSpPr>
-          <p:cNvPr id="4" name="슬라이드 번호 개체 틀 3"/>
-          <p:cNvSpPr>
-            <a:spLocks noGrp="1"/>
-          </p:cNvSpPr>
-          <p:nvPr>
-            <p:ph type="sldNum" sz="quarter" idx="12"/>
-          </p:nvPr>
-        </p:nvSpPr>
-        <p:spPr/>
-        <p:txBody>
-          <a:bodyPr/>
-          <a:lstStyle/>
-          <a:p>
-            <a:fld id="{C10C7D1B-6E15-4334-B7FB-F65A2E226732}" type="slidenum">
-              <a:rPr lang="ko-KR" altLang="en-US" smtClean="0"/>
-              <a:t>‹#›</a:t>
-            </a:fld>
-            <a:endParaRPr lang="ko-KR" altLang="en-US"/>
-          </a:p>
-        </p:txBody>
-      </p:sp>
-    </p:spTree>
-    <p:extLst>
-      <p:ext uri="{BB962C8B-B14F-4D97-AF65-F5344CB8AC3E}">
-        <p14:creationId xmlns:p14="http://schemas.microsoft.com/office/powerpoint/2010/main" val="1543256921"/>
-      </p:ext>
-    </p:extLst>
-  </p:cSld>
-  <p:clrMapOvr>
-    <a:masterClrMapping/>
-  </p:clrMapOvr>
-</p:sldLayout>
-</file>
-
-<file path=ppt/slideLayouts/slideLayout8.xml><?xml version="1.0" encoding="utf-8"?>
-<p:sldLayout xmlns:a="http://schemas.openxmlformats.org/drawingml/2006/main" xmlns:r="http://schemas.openxmlformats.org/officeDocument/2006/relationships" xmlns:p="http://schemas.openxmlformats.org/presentationml/2006/main" type="objTx" preserve="1">
-  <p:cSld name="캡션 있는 콘텐츠">
-    <p:spTree>
-      <p:nvGrpSpPr>
-        <p:cNvPr id="1" name=""/>
-        <p:cNvGrpSpPr/>
-        <p:nvPr/>
-      </p:nvGrpSpPr>
-      <p:grpSpPr>
-        <a:xfrm>
-          <a:off x="0" y="0"/>
-          <a:ext cx="0" cy="0"/>
-          <a:chOff x="0" y="0"/>
-          <a:chExt cx="0" cy="0"/>
-        </a:xfrm>
-      </p:grpSpPr>
-      <p:sp>
-        <p:nvSpPr>
-          <p:cNvPr id="2" name="제목 1"/>
-          <p:cNvSpPr>
-            <a:spLocks noGrp="1"/>
-          </p:cNvSpPr>
-          <p:nvPr>
-            <p:ph type="title"/>
-          </p:nvPr>
-        </p:nvSpPr>
-        <p:spPr>
-          <a:xfrm>
-            <a:off x="495302" y="273050"/>
-            <a:ext cx="3259006" cy="1162050"/>
-          </a:xfrm>
-        </p:spPr>
-        <p:txBody>
-          <a:bodyPr anchor="b"/>
-          <a:lstStyle>
-            <a:lvl1pPr algn="l">
-              <a:defRPr sz="2167" b="1"/>
-            </a:lvl1pPr>
-          </a:lstStyle>
-          <a:p>
-            <a:r>
-              <a:rPr lang="ko-KR" altLang="en-US" smtClean="0"/>
-              <a:t>마스터 제목 스타일 편집</a:t>
-            </a:r>
-            <a:endParaRPr lang="ko-KR" altLang="en-US"/>
-          </a:p>
-        </p:txBody>
-      </p:sp>
-      <p:sp>
-        <p:nvSpPr>
-          <p:cNvPr id="3" name="내용 개체 틀 2"/>
-          <p:cNvSpPr>
-            <a:spLocks noGrp="1"/>
-          </p:cNvSpPr>
-          <p:nvPr>
-            <p:ph idx="1"/>
-          </p:nvPr>
-        </p:nvSpPr>
-        <p:spPr>
-          <a:xfrm>
-            <a:off x="3872972" y="273053"/>
-            <a:ext cx="5537730" cy="5853113"/>
-          </a:xfrm>
-        </p:spPr>
-        <p:txBody>
-          <a:bodyPr/>
-          <a:lstStyle>
-            <a:lvl1pPr>
-              <a:defRPr sz="3467"/>
-            </a:lvl1pPr>
-            <a:lvl2pPr>
-              <a:defRPr sz="3033"/>
-            </a:lvl2pPr>
-            <a:lvl3pPr>
-              <a:defRPr sz="2600"/>
-            </a:lvl3pPr>
-            <a:lvl4pPr>
-              <a:defRPr sz="2167"/>
-            </a:lvl4pPr>
-            <a:lvl5pPr>
-              <a:defRPr sz="2167"/>
-            </a:lvl5pPr>
-            <a:lvl6pPr>
-              <a:defRPr sz="2167"/>
-            </a:lvl6pPr>
-            <a:lvl7pPr>
-              <a:defRPr sz="2167"/>
-            </a:lvl7pPr>
-            <a:lvl8pPr>
-              <a:defRPr sz="2167"/>
-            </a:lvl8pPr>
-            <a:lvl9pPr>
-              <a:defRPr sz="2167"/>
-            </a:lvl9pPr>
-          </a:lstStyle>
-          <a:p>
-            <a:pPr lvl="0"/>
-            <a:r>
-              <a:rPr lang="ko-KR" altLang="en-US" smtClean="0"/>
-              <a:t>마스터 텍스트 스타일을 편집합니다</a:t>
-            </a:r>
-          </a:p>
-          <a:p>
-            <a:pPr lvl="1"/>
-            <a:r>
-              <a:rPr lang="ko-KR" altLang="en-US" smtClean="0"/>
-              <a:t>둘째 수준</a:t>
-            </a:r>
-          </a:p>
-          <a:p>
-            <a:pPr lvl="2"/>
-            <a:r>
-              <a:rPr lang="ko-KR" altLang="en-US" smtClean="0"/>
-              <a:t>셋째 수준</a:t>
-            </a:r>
-          </a:p>
-          <a:p>
-            <a:pPr lvl="3"/>
-            <a:r>
-              <a:rPr lang="ko-KR" altLang="en-US" smtClean="0"/>
-              <a:t>넷째 수준</a:t>
-            </a:r>
-          </a:p>
-          <a:p>
-            <a:pPr lvl="4"/>
-            <a:r>
-              <a:rPr lang="ko-KR" altLang="en-US" smtClean="0"/>
-              <a:t>다섯째 수준</a:t>
-            </a:r>
-            <a:endParaRPr lang="ko-KR" altLang="en-US"/>
-          </a:p>
-        </p:txBody>
-      </p:sp>
-      <p:sp>
-        <p:nvSpPr>
-          <p:cNvPr id="4" name="텍스트 개체 틀 3"/>
-          <p:cNvSpPr>
-            <a:spLocks noGrp="1"/>
-          </p:cNvSpPr>
-          <p:nvPr>
-            <p:ph type="body" sz="half" idx="2"/>
-          </p:nvPr>
-        </p:nvSpPr>
-        <p:spPr>
-          <a:xfrm>
-            <a:off x="495302" y="1435103"/>
-            <a:ext cx="3259006" cy="4691063"/>
-          </a:xfrm>
-        </p:spPr>
-        <p:txBody>
-          <a:bodyPr/>
-          <a:lstStyle>
-            <a:lvl1pPr marL="0" indent="0">
-              <a:buNone/>
-              <a:defRPr sz="1517"/>
-            </a:lvl1pPr>
-            <a:lvl2pPr marL="495264" indent="0">
-              <a:buNone/>
-              <a:defRPr sz="1300"/>
-            </a:lvl2pPr>
-            <a:lvl3pPr marL="990528" indent="0">
-              <a:buNone/>
-              <a:defRPr sz="1083"/>
-            </a:lvl3pPr>
-            <a:lvl4pPr marL="1485792" indent="0">
-              <a:buNone/>
-              <a:defRPr sz="975"/>
-            </a:lvl4pPr>
-            <a:lvl5pPr marL="1981056" indent="0">
-              <a:buNone/>
-              <a:defRPr sz="975"/>
-            </a:lvl5pPr>
-            <a:lvl6pPr marL="2476320" indent="0">
-              <a:buNone/>
-              <a:defRPr sz="975"/>
-            </a:lvl6pPr>
-            <a:lvl7pPr marL="2971584" indent="0">
-              <a:buNone/>
-              <a:defRPr sz="975"/>
-            </a:lvl7pPr>
-            <a:lvl8pPr marL="3466848" indent="0">
-              <a:buNone/>
-              <a:defRPr sz="975"/>
-            </a:lvl8pPr>
-            <a:lvl9pPr marL="3962112" indent="0">
-              <a:buNone/>
-              <a:defRPr sz="975"/>
-            </a:lvl9pPr>
-          </a:lstStyle>
-          <a:p>
-            <a:pPr lvl="0"/>
-            <a:r>
-              <a:rPr lang="ko-KR" altLang="en-US" smtClean="0"/>
-              <a:t>마스터 텍스트 스타일을 편집합니다</a:t>
-            </a:r>
-          </a:p>
-        </p:txBody>
-      </p:sp>
-      <p:sp>
-        <p:nvSpPr>
-          <p:cNvPr id="5" name="날짜 개체 틀 4"/>
-          <p:cNvSpPr>
-            <a:spLocks noGrp="1"/>
-          </p:cNvSpPr>
-          <p:nvPr>
-            <p:ph type="dt" sz="half" idx="10"/>
-          </p:nvPr>
-        </p:nvSpPr>
-        <p:spPr/>
-        <p:txBody>
-          <a:bodyPr/>
-          <a:lstStyle/>
-          <a:p>
-            <a:fld id="{41853962-48E5-4A7D-AB7A-0BFF2BE79943}" type="datetimeFigureOut">
-              <a:rPr lang="ko-KR" altLang="en-US" smtClean="0"/>
-              <a:t>2020-10-30</a:t>
-            </a:fld>
-            <a:endParaRPr lang="ko-KR" altLang="en-US"/>
-          </a:p>
-        </p:txBody>
-      </p:sp>
-      <p:sp>
-        <p:nvSpPr>
-          <p:cNvPr id="6" name="바닥글 개체 틀 5"/>
-          <p:cNvSpPr>
-            <a:spLocks noGrp="1"/>
-          </p:cNvSpPr>
-          <p:nvPr>
-            <p:ph type="ftr" sz="quarter" idx="11"/>
-          </p:nvPr>
-        </p:nvSpPr>
-        <p:spPr/>
-        <p:txBody>
-          <a:bodyPr/>
-          <a:lstStyle/>
-          <a:p>
-            <a:endParaRPr lang="ko-KR" altLang="en-US"/>
-          </a:p>
-        </p:txBody>
-      </p:sp>
-      <p:sp>
-        <p:nvSpPr>
-          <p:cNvPr id="7" name="슬라이드 번호 개체 틀 6"/>
-          <p:cNvSpPr>
-            <a:spLocks noGrp="1"/>
-          </p:cNvSpPr>
-          <p:nvPr>
-            <p:ph type="sldNum" sz="quarter" idx="12"/>
-          </p:nvPr>
-        </p:nvSpPr>
-        <p:spPr/>
-        <p:txBody>
-          <a:bodyPr/>
-          <a:lstStyle/>
-          <a:p>
-            <a:fld id="{C10C7D1B-6E15-4334-B7FB-F65A2E226732}" type="slidenum">
-              <a:rPr lang="ko-KR" altLang="en-US" smtClean="0"/>
-              <a:t>‹#›</a:t>
-            </a:fld>
-            <a:endParaRPr lang="ko-KR" altLang="en-US"/>
-          </a:p>
-        </p:txBody>
-      </p:sp>
-    </p:spTree>
-    <p:extLst>
-      <p:ext uri="{BB962C8B-B14F-4D97-AF65-F5344CB8AC3E}">
-        <p14:creationId xmlns:p14="http://schemas.microsoft.com/office/powerpoint/2010/main" val="2552804079"/>
-      </p:ext>
-    </p:extLst>
-  </p:cSld>
-  <p:clrMapOvr>
-    <a:masterClrMapping/>
-  </p:clrMapOvr>
-</p:sldLayout>
-</file>
-
-<file path=ppt/slideLayouts/slideLayout9.xml><?xml version="1.0" encoding="utf-8"?>
-<p:sldLayout xmlns:a="http://schemas.openxmlformats.org/drawingml/2006/main" xmlns:r="http://schemas.openxmlformats.org/officeDocument/2006/relationships" xmlns:p="http://schemas.openxmlformats.org/presentationml/2006/main" type="picTx" preserve="1">
-  <p:cSld name="캡션 있는 그림">
-    <p:spTree>
-      <p:nvGrpSpPr>
-        <p:cNvPr id="1" name=""/>
-        <p:cNvGrpSpPr/>
-        <p:nvPr/>
-      </p:nvGrpSpPr>
-      <p:grpSpPr>
-        <a:xfrm>
-          <a:off x="0" y="0"/>
-          <a:ext cx="0" cy="0"/>
-          <a:chOff x="0" y="0"/>
-          <a:chExt cx="0" cy="0"/>
-        </a:xfrm>
-      </p:grpSpPr>
-      <p:sp>
-        <p:nvSpPr>
-          <p:cNvPr id="2" name="제목 1"/>
-          <p:cNvSpPr>
-            <a:spLocks noGrp="1"/>
-          </p:cNvSpPr>
-          <p:nvPr>
-            <p:ph type="title"/>
-          </p:nvPr>
-        </p:nvSpPr>
-        <p:spPr>
-          <a:xfrm>
-            <a:off x="1941645" y="4800601"/>
-            <a:ext cx="5943600" cy="566738"/>
-          </a:xfrm>
-        </p:spPr>
-        <p:txBody>
-          <a:bodyPr anchor="b"/>
-          <a:lstStyle>
-            <a:lvl1pPr algn="l">
-              <a:defRPr sz="2167" b="1"/>
-            </a:lvl1pPr>
-          </a:lstStyle>
-          <a:p>
-            <a:r>
-              <a:rPr lang="ko-KR" altLang="en-US" smtClean="0"/>
-              <a:t>마스터 제목 스타일 편집</a:t>
-            </a:r>
-            <a:endParaRPr lang="ko-KR" altLang="en-US"/>
-          </a:p>
-        </p:txBody>
-      </p:sp>
-      <p:sp>
-        <p:nvSpPr>
-          <p:cNvPr id="3" name="그림 개체 틀 2"/>
-          <p:cNvSpPr>
-            <a:spLocks noGrp="1"/>
-          </p:cNvSpPr>
-          <p:nvPr>
-            <p:ph type="pic" idx="1"/>
-          </p:nvPr>
-        </p:nvSpPr>
-        <p:spPr>
-          <a:xfrm>
-            <a:off x="1941645" y="612775"/>
-            <a:ext cx="5943600" cy="4114800"/>
-          </a:xfrm>
-        </p:spPr>
-        <p:txBody>
-          <a:bodyPr/>
-          <a:lstStyle>
-            <a:lvl1pPr marL="0" indent="0">
-              <a:buNone/>
-              <a:defRPr sz="3467"/>
-            </a:lvl1pPr>
-            <a:lvl2pPr marL="495264" indent="0">
-              <a:buNone/>
-              <a:defRPr sz="3033"/>
-            </a:lvl2pPr>
-            <a:lvl3pPr marL="990528" indent="0">
-              <a:buNone/>
-              <a:defRPr sz="2600"/>
-            </a:lvl3pPr>
-            <a:lvl4pPr marL="1485792" indent="0">
-              <a:buNone/>
-              <a:defRPr sz="2167"/>
-            </a:lvl4pPr>
-            <a:lvl5pPr marL="1981056" indent="0">
-              <a:buNone/>
-              <a:defRPr sz="2167"/>
-            </a:lvl5pPr>
-            <a:lvl6pPr marL="2476320" indent="0">
-              <a:buNone/>
-              <a:defRPr sz="2167"/>
-            </a:lvl6pPr>
-            <a:lvl7pPr marL="2971584" indent="0">
-              <a:buNone/>
-              <a:defRPr sz="2167"/>
-            </a:lvl7pPr>
-            <a:lvl8pPr marL="3466848" indent="0">
-              <a:buNone/>
-              <a:defRPr sz="2167"/>
-            </a:lvl8pPr>
-            <a:lvl9pPr marL="3962112" indent="0">
-              <a:buNone/>
-              <a:defRPr sz="2167"/>
-            </a:lvl9pPr>
-          </a:lstStyle>
-          <a:p>
-            <a:endParaRPr lang="ko-KR" altLang="en-US"/>
-          </a:p>
-        </p:txBody>
-      </p:sp>
-      <p:sp>
-        <p:nvSpPr>
-          <p:cNvPr id="4" name="텍스트 개체 틀 3"/>
-          <p:cNvSpPr>
-            <a:spLocks noGrp="1"/>
-          </p:cNvSpPr>
-          <p:nvPr>
-            <p:ph type="body" sz="half" idx="2"/>
-          </p:nvPr>
-        </p:nvSpPr>
-        <p:spPr>
-          <a:xfrm>
-            <a:off x="1941645" y="5367339"/>
-            <a:ext cx="5943600" cy="804862"/>
-          </a:xfrm>
-        </p:spPr>
-        <p:txBody>
-          <a:bodyPr/>
-          <a:lstStyle>
-            <a:lvl1pPr marL="0" indent="0">
-              <a:buNone/>
-              <a:defRPr sz="1517"/>
-            </a:lvl1pPr>
-            <a:lvl2pPr marL="495264" indent="0">
-              <a:buNone/>
-              <a:defRPr sz="1300"/>
-            </a:lvl2pPr>
-            <a:lvl3pPr marL="990528" indent="0">
-              <a:buNone/>
-              <a:defRPr sz="1083"/>
-            </a:lvl3pPr>
-            <a:lvl4pPr marL="1485792" indent="0">
-              <a:buNone/>
-              <a:defRPr sz="975"/>
-            </a:lvl4pPr>
-            <a:lvl5pPr marL="1981056" indent="0">
-              <a:buNone/>
-              <a:defRPr sz="975"/>
-            </a:lvl5pPr>
-            <a:lvl6pPr marL="2476320" indent="0">
-              <a:buNone/>
-              <a:defRPr sz="975"/>
-            </a:lvl6pPr>
-            <a:lvl7pPr marL="2971584" indent="0">
-              <a:buNone/>
-              <a:defRPr sz="975"/>
-            </a:lvl7pPr>
-            <a:lvl8pPr marL="3466848" indent="0">
-              <a:buNone/>
-              <a:defRPr sz="975"/>
-            </a:lvl8pPr>
-            <a:lvl9pPr marL="3962112" indent="0">
-              <a:buNone/>
-              <a:defRPr sz="975"/>
-            </a:lvl9pPr>
-          </a:lstStyle>
-          <a:p>
-            <a:pPr lvl="0"/>
-            <a:r>
-              <a:rPr lang="ko-KR" altLang="en-US" smtClean="0"/>
-              <a:t>마스터 텍스트 스타일을 편집합니다</a:t>
-            </a:r>
-          </a:p>
-        </p:txBody>
-      </p:sp>
-      <p:sp>
-        <p:nvSpPr>
-          <p:cNvPr id="5" name="날짜 개체 틀 4"/>
-          <p:cNvSpPr>
-            <a:spLocks noGrp="1"/>
-          </p:cNvSpPr>
-          <p:nvPr>
-            <p:ph type="dt" sz="half" idx="10"/>
-          </p:nvPr>
-        </p:nvSpPr>
-        <p:spPr/>
-        <p:txBody>
-          <a:bodyPr/>
-          <a:lstStyle/>
-          <a:p>
-            <a:fld id="{41853962-48E5-4A7D-AB7A-0BFF2BE79943}" type="datetimeFigureOut">
-              <a:rPr lang="ko-KR" altLang="en-US" smtClean="0"/>
-              <a:t>2020-10-30</a:t>
-            </a:fld>
-            <a:endParaRPr lang="ko-KR" altLang="en-US"/>
-          </a:p>
-        </p:txBody>
-      </p:sp>
-      <p:sp>
-        <p:nvSpPr>
-          <p:cNvPr id="6" name="바닥글 개체 틀 5"/>
-          <p:cNvSpPr>
-            <a:spLocks noGrp="1"/>
-          </p:cNvSpPr>
-          <p:nvPr>
-            <p:ph type="ftr" sz="quarter" idx="11"/>
-          </p:nvPr>
-        </p:nvSpPr>
-        <p:spPr/>
-        <p:txBody>
-          <a:bodyPr/>
-          <a:lstStyle/>
-          <a:p>
-            <a:endParaRPr lang="ko-KR" altLang="en-US"/>
-          </a:p>
-        </p:txBody>
-      </p:sp>
-      <p:sp>
-        <p:nvSpPr>
-          <p:cNvPr id="7" name="슬라이드 번호 개체 틀 6"/>
-          <p:cNvSpPr>
-            <a:spLocks noGrp="1"/>
-          </p:cNvSpPr>
-          <p:nvPr>
-            <p:ph type="sldNum" sz="quarter" idx="12"/>
-          </p:nvPr>
-        </p:nvSpPr>
-        <p:spPr/>
-        <p:txBody>
-          <a:bodyPr/>
-          <a:lstStyle/>
-          <a:p>
-            <a:fld id="{C10C7D1B-6E15-4334-B7FB-F65A2E226732}" type="slidenum">
-              <a:rPr lang="ko-KR" altLang="en-US" smtClean="0"/>
-              <a:t>‹#›</a:t>
-            </a:fld>
-            <a:endParaRPr lang="ko-KR" altLang="en-US"/>
-          </a:p>
-        </p:txBody>
-      </p:sp>
-    </p:spTree>
-    <p:extLst>
-      <p:ext uri="{BB962C8B-B14F-4D97-AF65-F5344CB8AC3E}">
-        <p14:creationId xmlns:p14="http://schemas.microsoft.com/office/powerpoint/2010/main" val="3061796716"/>
       </p:ext>
     </p:extLst>
   </p:cSld>
@@ -2725,7 +294,7 @@
           <a:p>
             <a:fld id="{41853962-48E5-4A7D-AB7A-0BFF2BE79943}" type="datetimeFigureOut">
               <a:rPr lang="ko-KR" altLang="en-US" smtClean="0"/>
-              <a:t>2020-10-30</a:t>
+              <a:t>2020-11-16</a:t>
             </a:fld>
             <a:endParaRPr lang="ko-KR" altLang="en-US"/>
           </a:p>
@@ -2818,17 +387,7 @@
   </p:cSld>
   <p:clrMap bg1="lt1" tx1="dk1" bg2="lt2" tx2="dk2" accent1="accent1" accent2="accent2" accent3="accent3" accent4="accent4" accent5="accent5" accent6="accent6" hlink="hlink" folHlink="folHlink"/>
   <p:sldLayoutIdLst>
-    <p:sldLayoutId id="2147483685" r:id="rId1"/>
-    <p:sldLayoutId id="2147483686" r:id="rId2"/>
-    <p:sldLayoutId id="2147483687" r:id="rId3"/>
-    <p:sldLayoutId id="2147483688" r:id="rId4"/>
-    <p:sldLayoutId id="2147483689" r:id="rId5"/>
-    <p:sldLayoutId id="2147483690" r:id="rId6"/>
-    <p:sldLayoutId id="2147483691" r:id="rId7"/>
-    <p:sldLayoutId id="2147483692" r:id="rId8"/>
-    <p:sldLayoutId id="2147483693" r:id="rId9"/>
-    <p:sldLayoutId id="2147483694" r:id="rId10"/>
-    <p:sldLayoutId id="2147483695" r:id="rId11"/>
+    <p:sldLayoutId id="2147483686" r:id="rId1"/>
   </p:sldLayoutIdLst>
   <p:txStyles>
     <p:titleStyle>
